--- a/Deliverables/Poster.pptx
+++ b/Deliverables/Poster.pptx
@@ -517,7 +517,7 @@
     </p:spTree>
     <p:extLst>
       <p:ext uri="{BB962C8B-B14F-4D97-AF65-F5344CB8AC3E}">
-        <p14:creationId xmlns:p14="http://schemas.microsoft.com/office/powerpoint/2010/main" xmlns="" val="593841923"/>
+        <p14:creationId xmlns="" xmlns:p14="http://schemas.microsoft.com/office/powerpoint/2010/main" val="593841923"/>
       </p:ext>
     </p:extLst>
   </p:cSld>
@@ -3942,7 +3942,7 @@
                   <a:schemeClr val="bg1"/>
                 </a:solidFill>
                 <a:effectLst/>
-                <a:latin typeface="Arial" charset="0"/>
+                <a:latin typeface="Calibri" pitchFamily="34" charset="0"/>
               </a:rPr>
               <a:t>The ProPANE System</a:t>
             </a:r>
@@ -3951,7 +3951,7 @@
                 <a:schemeClr val="bg1"/>
               </a:solidFill>
               <a:effectLst/>
-              <a:latin typeface="Arial" charset="0"/>
+              <a:latin typeface="Calibri" pitchFamily="34" charset="0"/>
             </a:endParaRPr>
           </a:p>
           <a:p>
@@ -3962,36 +3962,16 @@
                   <a:schemeClr val="bg1"/>
                 </a:solidFill>
                 <a:effectLst/>
-                <a:latin typeface="Arial" charset="0"/>
+                <a:latin typeface="Calibri" pitchFamily="34" charset="0"/>
               </a:rPr>
-              <a:t>Griffin Dunn, </a:t>
-            </a:r>
-            <a:r>
-              <a:rPr lang="en-US" sz="6000" b="1" dirty="0" smtClean="0">
-                <a:solidFill>
-                  <a:schemeClr val="bg1"/>
-                </a:solidFill>
-                <a:effectLst/>
-                <a:latin typeface="Arial" charset="0"/>
-              </a:rPr>
-              <a:t>Colin Madigan, </a:t>
-            </a:r>
-            <a:r>
-              <a:rPr lang="en-US" sz="6000" b="1" dirty="0" smtClean="0">
-                <a:solidFill>
-                  <a:schemeClr val="bg1"/>
-                </a:solidFill>
-                <a:effectLst/>
-                <a:latin typeface="Arial" charset="0"/>
-              </a:rPr>
-              <a:t>Phillip Stahlfeld</a:t>
+              <a:t>Griffin Dunn, Colin Madigan, Phillip Stahlfeld</a:t>
             </a:r>
             <a:endParaRPr lang="en-US" sz="5400" b="1" dirty="0">
               <a:solidFill>
                 <a:schemeClr val="bg1"/>
               </a:solidFill>
               <a:effectLst/>
-              <a:latin typeface="Arial" charset="0"/>
+              <a:latin typeface="Calibri" pitchFamily="34" charset="0"/>
             </a:endParaRPr>
           </a:p>
           <a:p>
@@ -4002,7 +3982,7 @@
                   <a:schemeClr val="bg1"/>
                 </a:solidFill>
                 <a:effectLst/>
-                <a:latin typeface="Arial" charset="0"/>
+                <a:latin typeface="Calibri" pitchFamily="34" charset="0"/>
               </a:rPr>
               <a:t>Bucknell University</a:t>
             </a:r>
@@ -4011,7 +3991,7 @@
                 <a:schemeClr val="bg1"/>
               </a:solidFill>
               <a:effectLst/>
-              <a:latin typeface="Arial" charset="0"/>
+              <a:latin typeface="Calibri" pitchFamily="34" charset="0"/>
             </a:endParaRPr>
           </a:p>
         </p:txBody>
@@ -4054,10 +4034,13 @@
             <a:r>
               <a:rPr lang="en-US" sz="4000" dirty="0" smtClean="0">
                 <a:effectLst/>
+                <a:latin typeface="Calibri" pitchFamily="34" charset="0"/>
               </a:rPr>
               <a:t>The ProPANE system allows for complete capture of the content of a classroom whiteboard.  It identifies writing on the board, filters out foreground obstacles, and presents easy to read key images summarizing the lecture for use by a professor or students.</a:t>
             </a:r>
-            <a:endParaRPr lang="en-US" sz="4000" dirty="0"/>
+            <a:endParaRPr lang="en-US" sz="4000" dirty="0">
+              <a:latin typeface="Calibri" pitchFamily="34" charset="0"/>
+            </a:endParaRPr>
           </a:p>
         </p:txBody>
       </p:sp>
@@ -4095,6 +4078,7 @@
             <a:pPr defTabSz="2154238"/>
             <a:endParaRPr lang="en-US" sz="5700">
               <a:effectLst/>
+              <a:latin typeface="Calibri" pitchFamily="34" charset="0"/>
             </a:endParaRPr>
           </a:p>
         </p:txBody>
@@ -4141,13 +4125,19 @@
             <a:r>
               <a:rPr lang="en-US" sz="4000" dirty="0" smtClean="0">
                 <a:effectLst/>
+                <a:latin typeface="Calibri" pitchFamily="34" charset="0"/>
               </a:rPr>
-              <a:t>Air trapped by the lip of the Frisbee is not moving with respect to the disc so it generates a region of high pressure below the disc.</a:t>
-            </a:r>
+              <a:t>Images are divided into smaller cells</a:t>
+            </a:r>
+            <a:endParaRPr lang="en-US" sz="4000" dirty="0" smtClean="0">
+              <a:effectLst/>
+              <a:latin typeface="Calibri" pitchFamily="34" charset="0"/>
+            </a:endParaRPr>
           </a:p>
           <a:p>
             <a:endParaRPr lang="en-US" sz="4000" dirty="0">
               <a:effectLst/>
+              <a:latin typeface="Calibri" pitchFamily="34" charset="0"/>
             </a:endParaRPr>
           </a:p>
           <a:p>
@@ -4158,13 +4148,19 @@
             <a:r>
               <a:rPr lang="en-US" sz="4000" dirty="0" smtClean="0">
                 <a:effectLst/>
+                <a:latin typeface="Calibri" pitchFamily="34" charset="0"/>
               </a:rPr>
-              <a:t>Air passing over the top of the disc creates a region of low pressure above the disc.</a:t>
-            </a:r>
+              <a:t>Information such as mean color and standard deviation are calculated</a:t>
+            </a:r>
+            <a:endParaRPr lang="en-US" sz="4000" dirty="0" smtClean="0">
+              <a:effectLst/>
+              <a:latin typeface="Calibri" pitchFamily="34" charset="0"/>
+            </a:endParaRPr>
           </a:p>
           <a:p>
             <a:endParaRPr lang="en-US" sz="4000" dirty="0">
               <a:effectLst/>
+              <a:latin typeface="Calibri" pitchFamily="34" charset="0"/>
             </a:endParaRPr>
           </a:p>
           <a:p>
@@ -4175,22 +4171,66 @@
             <a:r>
               <a:rPr lang="en-US" sz="4000" dirty="0" smtClean="0">
                 <a:effectLst/>
+                <a:latin typeface="Calibri" pitchFamily="34" charset="0"/>
               </a:rPr>
-              <a:t>Pressure differential above and below the disc generates lift.</a:t>
-            </a:r>
+              <a:t>Cells are classified as either Board, Stroke or Foreground.</a:t>
+            </a:r>
+          </a:p>
+          <a:p>
+            <a:pPr marL="571500" indent="-571500">
+              <a:buFont typeface="Arial"/>
+              <a:buChar char="•"/>
+            </a:pPr>
+            <a:endParaRPr lang="en-US" sz="4000" dirty="0" smtClean="0">
+              <a:effectLst/>
+              <a:latin typeface="Calibri" pitchFamily="34" charset="0"/>
+            </a:endParaRPr>
+          </a:p>
+          <a:p>
+            <a:pPr marL="571500" indent="-571500">
+              <a:buFont typeface="Arial"/>
+              <a:buChar char="•"/>
+            </a:pPr>
+            <a:r>
+              <a:rPr lang="en-US" sz="4000" dirty="0" smtClean="0">
+                <a:effectLst/>
+                <a:latin typeface="Calibri" pitchFamily="34" charset="0"/>
+              </a:rPr>
+              <a:t>Foreground objects are removed</a:t>
+            </a:r>
+          </a:p>
+          <a:p>
+            <a:pPr marL="571500" indent="-571500">
+              <a:buFont typeface="Arial"/>
+              <a:buChar char="•"/>
+            </a:pPr>
+            <a:endParaRPr lang="en-US" sz="4000" dirty="0" smtClean="0">
+              <a:effectLst/>
+              <a:latin typeface="Calibri" pitchFamily="34" charset="0"/>
+            </a:endParaRPr>
+          </a:p>
+          <a:p>
+            <a:pPr marL="571500" indent="-571500">
+              <a:buFont typeface="Arial"/>
+              <a:buChar char="•"/>
+            </a:pPr>
+            <a:r>
+              <a:rPr lang="en-US" sz="4000" dirty="0" smtClean="0">
+                <a:effectLst/>
+                <a:latin typeface="Calibri" pitchFamily="34" charset="0"/>
+              </a:rPr>
+              <a:t>Key images are created, and colors are normalized.</a:t>
+            </a:r>
+            <a:endParaRPr lang="en-US" sz="4000" dirty="0" smtClean="0">
+              <a:effectLst/>
+              <a:latin typeface="Calibri" pitchFamily="34" charset="0"/>
+            </a:endParaRPr>
           </a:p>
           <a:p>
             <a:endParaRPr lang="en-US" sz="4000" dirty="0">
               <a:effectLst/>
+              <a:latin typeface="Calibri" pitchFamily="34" charset="0"/>
             </a:endParaRPr>
-          </a:p>
-          <a:p>
-            <a:r>
-              <a:rPr lang="en-US" sz="4000" dirty="0" smtClean="0">
-                <a:effectLst/>
-              </a:rPr>
-              <a:t>See image below for how a Frisbee generates lift as it passes through the air [2].</a:t>
-            </a:r>
           </a:p>
         </p:txBody>
       </p:sp>
@@ -4232,63 +4272,63 @@
             <a:r>
               <a:rPr lang="en-US" sz="4000" dirty="0" smtClean="0">
                 <a:effectLst/>
+                <a:latin typeface="Calibri" pitchFamily="34" charset="0"/>
               </a:rPr>
-              <a:t>[1] </a:t>
+              <a:t>[1] Li-</a:t>
+            </a:r>
+            <a:r>
+              <a:rPr lang="en-US" sz="4000" dirty="0" err="1" smtClean="0">
+                <a:effectLst/>
+                <a:latin typeface="Calibri" pitchFamily="34" charset="0"/>
+              </a:rPr>
+              <a:t>wei</a:t>
             </a:r>
             <a:r>
               <a:rPr lang="en-US" sz="4000" dirty="0" smtClean="0">
                 <a:effectLst/>
+                <a:latin typeface="Calibri" pitchFamily="34" charset="0"/>
               </a:rPr>
-              <a:t>Li-</a:t>
+              <a:t> He, </a:t>
             </a:r>
             <a:r>
               <a:rPr lang="en-US" sz="4000" dirty="0" err="1" smtClean="0">
                 <a:effectLst/>
+                <a:latin typeface="Calibri" pitchFamily="34" charset="0"/>
               </a:rPr>
-              <a:t>wei</a:t>
+              <a:t>Zhengyou</a:t>
             </a:r>
             <a:r>
               <a:rPr lang="en-US" sz="4000" dirty="0" smtClean="0">
                 <a:effectLst/>
+                <a:latin typeface="Calibri" pitchFamily="34" charset="0"/>
               </a:rPr>
-              <a:t> He, </a:t>
+              <a:t> Zhang, </a:t>
             </a:r>
             <a:r>
               <a:rPr lang="en-US" sz="4000" dirty="0" err="1" smtClean="0">
                 <a:effectLst/>
+                <a:latin typeface="Calibri" pitchFamily="34" charset="0"/>
               </a:rPr>
-              <a:t>Zhengyou</a:t>
+              <a:t>Zicheng</a:t>
             </a:r>
             <a:r>
               <a:rPr lang="en-US" sz="4000" dirty="0" smtClean="0">
                 <a:effectLst/>
-              </a:rPr>
-              <a:t> Zhang, </a:t>
-            </a:r>
-            <a:r>
-              <a:rPr lang="en-US" sz="4000" dirty="0" err="1" smtClean="0">
-                <a:effectLst/>
-              </a:rPr>
-              <a:t>Zicheng</a:t>
-            </a:r>
-            <a:r>
-              <a:rPr lang="en-US" sz="4000" dirty="0" smtClean="0">
-                <a:effectLst/>
+                <a:latin typeface="Calibri" pitchFamily="34" charset="0"/>
               </a:rPr>
               <a:t> Liu, “Why Take Notes? Use the Whiteboard Capture System.” ftp://ftp.research.microsoft.com/pub/tr/tr-2002-89.pdf, September 2002</a:t>
             </a:r>
-            <a:endParaRPr lang="en-US" sz="4000" dirty="0" smtClean="0">
-              <a:effectLst/>
-            </a:endParaRPr>
           </a:p>
           <a:p>
             <a:endParaRPr lang="en-US" sz="4000" dirty="0">
               <a:effectLst/>
+              <a:latin typeface="Calibri" pitchFamily="34" charset="0"/>
             </a:endParaRPr>
           </a:p>
           <a:p>
             <a:endParaRPr lang="en-US" sz="4000" dirty="0">
               <a:effectLst/>
+              <a:latin typeface="Calibri" pitchFamily="34" charset="0"/>
             </a:endParaRPr>
           </a:p>
         </p:txBody>
@@ -4304,7 +4344,7 @@
         <p:spPr bwMode="auto">
           <a:xfrm>
             <a:off x="31318200" y="6631055"/>
-            <a:ext cx="12039600" cy="2049792"/>
+            <a:ext cx="12039600" cy="2665345"/>
           </a:xfrm>
           <a:prstGeom prst="rect">
             <a:avLst/>
@@ -4335,14 +4375,9 @@
             <a:r>
               <a:rPr lang="en-US" sz="4000" dirty="0" smtClean="0">
                 <a:effectLst/>
+                <a:latin typeface="Calibri" pitchFamily="34" charset="0"/>
               </a:rPr>
-              <a:t> </a:t>
-            </a:r>
-            <a:r>
-              <a:rPr lang="en-US" sz="4000" dirty="0" smtClean="0">
-                <a:effectLst/>
-              </a:rPr>
-              <a:t>  Bucknell University</a:t>
+              <a:t>   Bucknell University</a:t>
             </a:r>
           </a:p>
           <a:p>
@@ -4353,19 +4388,60 @@
             <a:r>
               <a:rPr lang="en-US" sz="4000" dirty="0" smtClean="0">
                 <a:effectLst/>
+                <a:latin typeface="Calibri" pitchFamily="34" charset="0"/>
               </a:rPr>
-              <a:t> </a:t>
+              <a:t>   Department of Electrical </a:t>
             </a:r>
             <a:r>
               <a:rPr lang="en-US" sz="4000" dirty="0" smtClean="0">
                 <a:effectLst/>
+                <a:latin typeface="Calibri" pitchFamily="34" charset="0"/>
               </a:rPr>
-              <a:t>  Department of Electrical Engineering</a:t>
-            </a:r>
-          </a:p>
-          <a:p>
+              <a:t>Engineering</a:t>
+            </a:r>
+          </a:p>
+          <a:p>
+            <a:pPr>
+              <a:buFont typeface="Arial" pitchFamily="34" charset="0"/>
+              <a:buChar char="•"/>
+            </a:pPr>
+            <a:r>
+              <a:rPr lang="en-US" sz="4000" dirty="0" smtClean="0">
+                <a:effectLst/>
+                <a:latin typeface="Calibri" pitchFamily="34" charset="0"/>
+              </a:rPr>
+              <a:t>   Drs. Robert </a:t>
+            </a:r>
+            <a:r>
+              <a:rPr lang="en-US" sz="4000" dirty="0" err="1" smtClean="0">
+                <a:effectLst/>
+                <a:latin typeface="Calibri" pitchFamily="34" charset="0"/>
+              </a:rPr>
+              <a:t>Midkiff</a:t>
+            </a:r>
+            <a:r>
+              <a:rPr lang="en-US" sz="4000" dirty="0" smtClean="0">
+                <a:effectLst/>
+                <a:latin typeface="Calibri" pitchFamily="34" charset="0"/>
+              </a:rPr>
+              <a:t> and Douglas </a:t>
+            </a:r>
+            <a:r>
+              <a:rPr lang="en-US" sz="4000" dirty="0" err="1" smtClean="0">
+                <a:effectLst/>
+                <a:latin typeface="Calibri" pitchFamily="34" charset="0"/>
+              </a:rPr>
+              <a:t>Gabauer</a:t>
+            </a:r>
             <a:endParaRPr lang="en-US" sz="4000" dirty="0" smtClean="0">
               <a:effectLst/>
+              <a:latin typeface="Calibri" pitchFamily="34" charset="0"/>
+            </a:endParaRPr>
+          </a:p>
+          <a:p>
+            <a:endParaRPr lang="en-US" sz="4000" dirty="0" smtClean="0">
+              <a:effectLst/>
+              <a:latin typeface="Calibri" pitchFamily="34" charset="0"/>
             </a:endParaRPr>
           </a:p>
         </p:txBody>
@@ -4431,6 +4507,7 @@
                   <a:schemeClr val="bg1"/>
                 </a:solidFill>
                 <a:effectLst/>
+                <a:latin typeface="Calibri" pitchFamily="34" charset="0"/>
               </a:rPr>
               <a:t>Abstract</a:t>
             </a:r>
@@ -4439,6 +4516,7 @@
                 <a:schemeClr val="bg1"/>
               </a:solidFill>
               <a:effectLst/>
+              <a:latin typeface="Calibri" pitchFamily="34" charset="0"/>
             </a:endParaRPr>
           </a:p>
         </p:txBody>
@@ -4504,14 +4582,16 @@
                   <a:schemeClr val="bg1"/>
                 </a:solidFill>
                 <a:effectLst/>
+                <a:latin typeface="Calibri" pitchFamily="34" charset="0"/>
               </a:rPr>
-              <a:t>Frisbee As A Wing</a:t>
+              <a:t>Board Content Classification</a:t>
             </a:r>
             <a:endParaRPr lang="en-US" sz="6000" b="1" dirty="0">
               <a:solidFill>
                 <a:schemeClr val="bg1"/>
               </a:solidFill>
               <a:effectLst/>
+              <a:latin typeface="Calibri" pitchFamily="34" charset="0"/>
             </a:endParaRPr>
           </a:p>
         </p:txBody>
@@ -4577,6 +4657,7 @@
                   <a:schemeClr val="bg1"/>
                 </a:solidFill>
                 <a:effectLst/>
+                <a:latin typeface="Calibri" pitchFamily="34" charset="0"/>
               </a:rPr>
               <a:t>Acknowledgements</a:t>
             </a:r>
@@ -4585,6 +4666,7 @@
                 <a:schemeClr val="bg1"/>
               </a:solidFill>
               <a:effectLst/>
+              <a:latin typeface="Calibri" pitchFamily="34" charset="0"/>
             </a:endParaRPr>
           </a:p>
         </p:txBody>
@@ -4650,6 +4732,7 @@
                   <a:schemeClr val="bg1"/>
                 </a:solidFill>
                 <a:effectLst/>
+                <a:latin typeface="Calibri" pitchFamily="34" charset="0"/>
               </a:rPr>
               <a:t>References</a:t>
             </a:r>
@@ -4658,6 +4741,7 @@
                 <a:schemeClr val="bg1"/>
               </a:solidFill>
               <a:effectLst/>
+              <a:latin typeface="Calibri" pitchFamily="34" charset="0"/>
             </a:endParaRPr>
           </a:p>
         </p:txBody>
@@ -4701,6 +4785,7 @@
                 <a:srgbClr val="FF0000"/>
               </a:solidFill>
               <a:effectLst/>
+              <a:latin typeface="Calibri" pitchFamily="34" charset="0"/>
             </a:endParaRPr>
           </a:p>
         </p:txBody>
@@ -4768,6 +4853,7 @@
                 <a:srgbClr val="FF0000"/>
               </a:solidFill>
               <a:effectLst/>
+              <a:latin typeface="Calibri" pitchFamily="34" charset="0"/>
             </a:endParaRPr>
           </a:p>
         </p:txBody>
@@ -4857,6 +4943,7 @@
                   <a:schemeClr val="bg1"/>
                 </a:solidFill>
                 <a:effectLst/>
+                <a:latin typeface="Calibri" pitchFamily="34" charset="0"/>
               </a:rPr>
               <a:t>Major System Components</a:t>
             </a:r>
@@ -4865,6 +4952,7 @@
                 <a:schemeClr val="bg1"/>
               </a:solidFill>
               <a:effectLst/>
+              <a:latin typeface="Calibri" pitchFamily="34" charset="0"/>
             </a:endParaRPr>
           </a:p>
         </p:txBody>
@@ -4907,12 +4995,10 @@
             <a:r>
               <a:rPr lang="en-US" sz="4000" b="1" dirty="0" smtClean="0">
                 <a:effectLst/>
+                <a:latin typeface="Calibri" pitchFamily="34" charset="0"/>
               </a:rPr>
               <a:t>Samsung Galaxy Camera</a:t>
             </a:r>
-            <a:endParaRPr lang="en-US" sz="4000" b="1" dirty="0" smtClean="0">
-              <a:effectLst/>
-            </a:endParaRPr>
           </a:p>
           <a:p>
             <a:pPr marL="571500" indent="-571500">
@@ -4922,6 +5008,7 @@
             <a:r>
               <a:rPr lang="en-US" sz="4000" dirty="0" smtClean="0">
                 <a:effectLst/>
+                <a:latin typeface="Calibri" pitchFamily="34" charset="0"/>
               </a:rPr>
               <a:t>21x optical zoom</a:t>
             </a:r>
@@ -4934,6 +5021,7 @@
             <a:r>
               <a:rPr lang="en-US" sz="4000" dirty="0" smtClean="0">
                 <a:effectLst/>
+                <a:latin typeface="Calibri" pitchFamily="34" charset="0"/>
               </a:rPr>
               <a:t>Runs on Android 4.1 “Jelly Bean”</a:t>
             </a:r>
@@ -4946,6 +5034,7 @@
             <a:r>
               <a:rPr lang="en-US" sz="4000" dirty="0" smtClean="0">
                 <a:effectLst/>
+                <a:latin typeface="Calibri" pitchFamily="34" charset="0"/>
               </a:rPr>
               <a:t>Utilizes custom ProPANE app</a:t>
             </a:r>
@@ -4958,17 +5047,16 @@
             <a:r>
               <a:rPr lang="en-US" sz="4000" dirty="0" smtClean="0">
                 <a:effectLst/>
+                <a:latin typeface="Calibri" pitchFamily="34" charset="0"/>
               </a:rPr>
               <a:t>Allows for image set capture, color and resolution optimization</a:t>
             </a:r>
-            <a:endParaRPr lang="en-US" sz="4000" dirty="0" smtClean="0">
-              <a:effectLst/>
-            </a:endParaRPr>
           </a:p>
           <a:p>
             <a:r>
               <a:rPr lang="en-US" sz="4000" dirty="0" smtClean="0">
                 <a:effectLst/>
+                <a:latin typeface="Calibri" pitchFamily="34" charset="0"/>
               </a:rPr>
               <a:t>	</a:t>
             </a:r>
@@ -4977,6 +5065,7 @@
             <a:r>
               <a:rPr lang="en-US" sz="4000" b="1" dirty="0" smtClean="0">
                 <a:effectLst/>
+                <a:latin typeface="Calibri" pitchFamily="34" charset="0"/>
               </a:rPr>
               <a:t>Analysis System </a:t>
             </a:r>
@@ -4989,18 +5078,21 @@
             <a:r>
               <a:rPr lang="en-US" sz="4000" dirty="0" smtClean="0">
                 <a:effectLst/>
+                <a:latin typeface="Calibri" pitchFamily="34" charset="0"/>
               </a:rPr>
               <a:t>   Intel Core 2 Duo running </a:t>
             </a:r>
             <a:r>
               <a:rPr lang="en-US" sz="4000" dirty="0" err="1" smtClean="0">
                 <a:effectLst/>
+                <a:latin typeface="Calibri" pitchFamily="34" charset="0"/>
               </a:rPr>
               <a:t>Ubuntu</a:t>
             </a:r>
             <a:r>
               <a:rPr lang="en-US" sz="4000" dirty="0" smtClean="0">
                 <a:effectLst/>
+                <a:latin typeface="Calibri" pitchFamily="34" charset="0"/>
               </a:rPr>
               <a:t> 12.04</a:t>
             </a:r>
@@ -5013,18 +5105,10 @@
             <a:r>
               <a:rPr lang="en-US" sz="4000" dirty="0" smtClean="0">
                 <a:effectLst/>
+                <a:latin typeface="Calibri" pitchFamily="34" charset="0"/>
               </a:rPr>
-              <a:t> </a:t>
-            </a:r>
-            <a:r>
-              <a:rPr lang="en-US" sz="4000" dirty="0" smtClean="0">
-                <a:effectLst/>
-              </a:rPr>
-              <a:t>  Supports multiple users</a:t>
-            </a:r>
-            <a:endParaRPr lang="en-US" sz="4000" dirty="0" smtClean="0">
-              <a:effectLst/>
-            </a:endParaRPr>
+              <a:t>   Supports multiple users</a:t>
+            </a:r>
           </a:p>
           <a:p>
             <a:pPr>
@@ -5034,18 +5118,10 @@
             <a:r>
               <a:rPr lang="en-US" sz="4000" dirty="0" smtClean="0">
                 <a:effectLst/>
+                <a:latin typeface="Calibri" pitchFamily="34" charset="0"/>
               </a:rPr>
-              <a:t> </a:t>
-            </a:r>
-            <a:r>
-              <a:rPr lang="en-US" sz="4000" dirty="0" smtClean="0">
-                <a:effectLst/>
-              </a:rPr>
-              <a:t>  Full access from anywhere on Bucknell campus</a:t>
-            </a:r>
-            <a:endParaRPr lang="en-US" sz="4000" dirty="0" smtClean="0">
-              <a:effectLst/>
-            </a:endParaRPr>
+              <a:t>   Full access from anywhere on Bucknell campus</a:t>
+            </a:r>
           </a:p>
           <a:p>
             <a:pPr>
@@ -5054,6 +5130,7 @@
             </a:pPr>
             <a:endParaRPr lang="en-US" sz="4000" dirty="0" smtClean="0">
               <a:effectLst/>
+              <a:latin typeface="Calibri" pitchFamily="34" charset="0"/>
             </a:endParaRPr>
           </a:p>
         </p:txBody>
@@ -5354,7 +5431,7 @@
           <a:blip r:embed="rId9" cstate="print">
             <a:extLst>
               <a:ext uri="{28A0092B-C50C-407E-A947-70E740481C1C}">
-                <a14:useLocalDpi xmlns:a14="http://schemas.microsoft.com/office/drawing/2010/main" xmlns="" val="0"/>
+                <a14:useLocalDpi xmlns="" xmlns:a14="http://schemas.microsoft.com/office/drawing/2010/main" val="0"/>
               </a:ext>
             </a:extLst>
           </a:blip>
@@ -5388,7 +5465,7 @@
         </p:blipFill>
         <p:spPr>
           <a:xfrm>
-            <a:off x="13487400" y="25374600"/>
+            <a:off x="13487400" y="25831800"/>
             <a:ext cx="16122817" cy="5412388"/>
           </a:xfrm>
           <a:prstGeom prst="rect">
